--- a/Miniprojects/project2_images/Presentation1.pptx
+++ b/Miniprojects/project2_images/Presentation1.pptx
@@ -5,11 +5,12 @@
     <p:sldMasterId id="2147483648" r:id="rId1"/>
   </p:sldMasterIdLst>
   <p:notesMasterIdLst>
-    <p:notesMasterId r:id="rId4"/>
+    <p:notesMasterId r:id="rId5"/>
   </p:notesMasterIdLst>
   <p:sldIdLst>
     <p:sldId id="256" r:id="rId2"/>
-    <p:sldId id="257" r:id="rId3"/>
+    <p:sldId id="258" r:id="rId3"/>
+    <p:sldId id="257" r:id="rId4"/>
   </p:sldIdLst>
   <p:sldSz cx="12192000" cy="6858000"/>
   <p:notesSz cx="6858000" cy="9144000"/>
@@ -108,6 +109,11 @@
       </a:defRPr>
     </a:lvl9pPr>
   </p:defaultTextStyle>
+  <p:extLst>
+    <p:ext uri="{EFAFB233-063F-42B5-8137-9DF3F51BA10A}">
+      <p15:sldGuideLst xmlns:p15="http://schemas.microsoft.com/office/powerpoint/2012/main"/>
+    </p:ext>
+  </p:extLst>
 </p:presentation>
 </file>
 
@@ -193,7 +199,7 @@
           <a:p>
             <a:fld id="{4105A1BC-5114-D541-85E2-D18E78C803C8}" type="datetimeFigureOut">
               <a:rPr lang="en-US" smtClean="0"/>
-              <a:t>11/9/17</a:t>
+              <a:t>11/10/17</a:t>
             </a:fld>
             <a:endParaRPr lang="en-US"/>
           </a:p>
@@ -592,7 +598,7 @@
           <a:p>
             <a:fld id="{BEDD4DA3-45E4-1E4C-9F7E-EF9F6C80FC32}" type="datetimeFigureOut">
               <a:rPr lang="en-US" smtClean="0"/>
-              <a:t>11/9/17</a:t>
+              <a:t>11/10/17</a:t>
             </a:fld>
             <a:endParaRPr lang="en-US"/>
           </a:p>
@@ -762,7 +768,7 @@
           <a:p>
             <a:fld id="{BEDD4DA3-45E4-1E4C-9F7E-EF9F6C80FC32}" type="datetimeFigureOut">
               <a:rPr lang="en-US" smtClean="0"/>
-              <a:t>11/9/17</a:t>
+              <a:t>11/10/17</a:t>
             </a:fld>
             <a:endParaRPr lang="en-US"/>
           </a:p>
@@ -942,7 +948,7 @@
           <a:p>
             <a:fld id="{BEDD4DA3-45E4-1E4C-9F7E-EF9F6C80FC32}" type="datetimeFigureOut">
               <a:rPr lang="en-US" smtClean="0"/>
-              <a:t>11/9/17</a:t>
+              <a:t>11/10/17</a:t>
             </a:fld>
             <a:endParaRPr lang="en-US"/>
           </a:p>
@@ -1112,7 +1118,7 @@
           <a:p>
             <a:fld id="{BEDD4DA3-45E4-1E4C-9F7E-EF9F6C80FC32}" type="datetimeFigureOut">
               <a:rPr lang="en-US" smtClean="0"/>
-              <a:t>11/9/17</a:t>
+              <a:t>11/10/17</a:t>
             </a:fld>
             <a:endParaRPr lang="en-US"/>
           </a:p>
@@ -1358,7 +1364,7 @@
           <a:p>
             <a:fld id="{BEDD4DA3-45E4-1E4C-9F7E-EF9F6C80FC32}" type="datetimeFigureOut">
               <a:rPr lang="en-US" smtClean="0"/>
-              <a:t>11/9/17</a:t>
+              <a:t>11/10/17</a:t>
             </a:fld>
             <a:endParaRPr lang="en-US"/>
           </a:p>
@@ -1590,7 +1596,7 @@
           <a:p>
             <a:fld id="{BEDD4DA3-45E4-1E4C-9F7E-EF9F6C80FC32}" type="datetimeFigureOut">
               <a:rPr lang="en-US" smtClean="0"/>
-              <a:t>11/9/17</a:t>
+              <a:t>11/10/17</a:t>
             </a:fld>
             <a:endParaRPr lang="en-US"/>
           </a:p>
@@ -1957,7 +1963,7 @@
           <a:p>
             <a:fld id="{BEDD4DA3-45E4-1E4C-9F7E-EF9F6C80FC32}" type="datetimeFigureOut">
               <a:rPr lang="en-US" smtClean="0"/>
-              <a:t>11/9/17</a:t>
+              <a:t>11/10/17</a:t>
             </a:fld>
             <a:endParaRPr lang="en-US"/>
           </a:p>
@@ -2075,7 +2081,7 @@
           <a:p>
             <a:fld id="{BEDD4DA3-45E4-1E4C-9F7E-EF9F6C80FC32}" type="datetimeFigureOut">
               <a:rPr lang="en-US" smtClean="0"/>
-              <a:t>11/9/17</a:t>
+              <a:t>11/10/17</a:t>
             </a:fld>
             <a:endParaRPr lang="en-US"/>
           </a:p>
@@ -2170,7 +2176,7 @@
           <a:p>
             <a:fld id="{BEDD4DA3-45E4-1E4C-9F7E-EF9F6C80FC32}" type="datetimeFigureOut">
               <a:rPr lang="en-US" smtClean="0"/>
-              <a:t>11/9/17</a:t>
+              <a:t>11/10/17</a:t>
             </a:fld>
             <a:endParaRPr lang="en-US"/>
           </a:p>
@@ -2447,7 +2453,7 @@
           <a:p>
             <a:fld id="{BEDD4DA3-45E4-1E4C-9F7E-EF9F6C80FC32}" type="datetimeFigureOut">
               <a:rPr lang="en-US" smtClean="0"/>
-              <a:t>11/9/17</a:t>
+              <a:t>11/10/17</a:t>
             </a:fld>
             <a:endParaRPr lang="en-US"/>
           </a:p>
@@ -2700,7 +2706,7 @@
           <a:p>
             <a:fld id="{BEDD4DA3-45E4-1E4C-9F7E-EF9F6C80FC32}" type="datetimeFigureOut">
               <a:rPr lang="en-US" smtClean="0"/>
-              <a:t>11/9/17</a:t>
+              <a:t>11/10/17</a:t>
             </a:fld>
             <a:endParaRPr lang="en-US"/>
           </a:p>
@@ -2913,7 +2919,7 @@
           <a:p>
             <a:fld id="{BEDD4DA3-45E4-1E4C-9F7E-EF9F6C80FC32}" type="datetimeFigureOut">
               <a:rPr lang="en-US" smtClean="0"/>
-              <a:t>11/9/17</a:t>
+              <a:t>11/10/17</a:t>
             </a:fld>
             <a:endParaRPr lang="en-US"/>
           </a:p>
@@ -3730,6 +3736,42 @@
               </a:rPr>
               <a:t>1</a:t>
             </a:r>
+          </a:p>
+        </p:txBody>
+      </p:sp>
+      <p:sp>
+        <p:nvSpPr>
+          <p:cNvPr id="14" name="TextBox 13"/>
+          <p:cNvSpPr txBox="1"/>
+          <p:nvPr/>
+        </p:nvSpPr>
+        <p:spPr>
+          <a:xfrm>
+            <a:off x="6086671" y="3704252"/>
+            <a:ext cx="503853" cy="307777"/>
+          </a:xfrm>
+          <a:prstGeom prst="rect">
+            <a:avLst/>
+          </a:prstGeom>
+          <a:noFill/>
+        </p:spPr>
+        <p:txBody>
+          <a:bodyPr wrap="square" rtlCol="0">
+            <a:spAutoFit/>
+          </a:bodyPr>
+          <a:lstStyle/>
+          <a:p>
+            <a:r>
+              <a:rPr lang="en-US" sz="1400" dirty="0" smtClean="0">
+                <a:solidFill>
+                  <a:schemeClr val="bg1"/>
+                </a:solidFill>
+                <a:latin typeface="Roboto" charset="0"/>
+                <a:ea typeface="Roboto" charset="0"/>
+                <a:cs typeface="Roboto" charset="0"/>
+              </a:rPr>
+              <a:t>2</a:t>
+            </a:r>
             <a:endParaRPr lang="en-US" sz="1400" dirty="0">
               <a:solidFill>
                 <a:schemeClr val="bg1"/>
@@ -3743,13 +3785,13 @@
       </p:sp>
       <p:sp>
         <p:nvSpPr>
-          <p:cNvPr id="14" name="TextBox 13"/>
-          <p:cNvSpPr txBox="1"/>
-          <p:nvPr/>
-        </p:nvSpPr>
-        <p:spPr>
-          <a:xfrm>
-            <a:off x="6086671" y="3704252"/>
+          <p:cNvPr id="15" name="TextBox 14"/>
+          <p:cNvSpPr txBox="1"/>
+          <p:nvPr/>
+        </p:nvSpPr>
+        <p:spPr>
+          <a:xfrm>
+            <a:off x="6845559" y="4062709"/>
             <a:ext cx="503853" cy="307777"/>
           </a:xfrm>
           <a:prstGeom prst="rect">
@@ -3764,7 +3806,7 @@
           <a:lstStyle/>
           <a:p>
             <a:r>
-              <a:rPr lang="en-US" sz="1400" dirty="0" smtClean="0">
+              <a:rPr lang="en-US" sz="1400" dirty="0">
                 <a:solidFill>
                   <a:schemeClr val="bg1"/>
                 </a:solidFill>
@@ -3772,7 +3814,43 @@
                 <a:ea typeface="Roboto" charset="0"/>
                 <a:cs typeface="Roboto" charset="0"/>
               </a:rPr>
-              <a:t>2</a:t>
+              <a:t>3</a:t>
+            </a:r>
+          </a:p>
+        </p:txBody>
+      </p:sp>
+      <p:sp>
+        <p:nvSpPr>
+          <p:cNvPr id="16" name="TextBox 15"/>
+          <p:cNvSpPr txBox="1"/>
+          <p:nvPr/>
+        </p:nvSpPr>
+        <p:spPr>
+          <a:xfrm>
+            <a:off x="6978909" y="3663440"/>
+            <a:ext cx="503853" cy="307777"/>
+          </a:xfrm>
+          <a:prstGeom prst="rect">
+            <a:avLst/>
+          </a:prstGeom>
+          <a:noFill/>
+        </p:spPr>
+        <p:txBody>
+          <a:bodyPr wrap="square" rtlCol="0">
+            <a:spAutoFit/>
+          </a:bodyPr>
+          <a:lstStyle/>
+          <a:p>
+            <a:r>
+              <a:rPr lang="en-US" sz="1400" dirty="0" smtClean="0">
+                <a:solidFill>
+                  <a:schemeClr val="bg1"/>
+                </a:solidFill>
+                <a:latin typeface="Roboto" charset="0"/>
+                <a:ea typeface="Roboto" charset="0"/>
+                <a:cs typeface="Roboto" charset="0"/>
+              </a:rPr>
+              <a:t>5</a:t>
             </a:r>
             <a:endParaRPr lang="en-US" sz="1400" dirty="0">
               <a:solidFill>
@@ -3787,13 +3865,13 @@
       </p:sp>
       <p:sp>
         <p:nvSpPr>
-          <p:cNvPr id="15" name="TextBox 14"/>
-          <p:cNvSpPr txBox="1"/>
-          <p:nvPr/>
-        </p:nvSpPr>
-        <p:spPr>
-          <a:xfrm>
-            <a:off x="6845559" y="4062709"/>
+          <p:cNvPr id="17" name="TextBox 16"/>
+          <p:cNvSpPr txBox="1"/>
+          <p:nvPr/>
+        </p:nvSpPr>
+        <p:spPr>
+          <a:xfrm>
+            <a:off x="6312938" y="3387009"/>
             <a:ext cx="503853" cy="307777"/>
           </a:xfrm>
           <a:prstGeom prst="rect">
@@ -3808,7 +3886,7 @@
           <a:lstStyle/>
           <a:p>
             <a:r>
-              <a:rPr lang="en-US" sz="1400" dirty="0">
+              <a:rPr lang="en-US" sz="1400" dirty="0" smtClean="0">
                 <a:solidFill>
                   <a:schemeClr val="bg1"/>
                 </a:solidFill>
@@ -3816,7 +3894,7 @@
                 <a:ea typeface="Roboto" charset="0"/>
                 <a:cs typeface="Roboto" charset="0"/>
               </a:rPr>
-              <a:t>3</a:t>
+              <a:t>4</a:t>
             </a:r>
             <a:endParaRPr lang="en-US" sz="1400" dirty="0">
               <a:solidFill>
@@ -3831,13 +3909,13 @@
       </p:sp>
       <p:sp>
         <p:nvSpPr>
-          <p:cNvPr id="16" name="TextBox 15"/>
-          <p:cNvSpPr txBox="1"/>
-          <p:nvPr/>
-        </p:nvSpPr>
-        <p:spPr>
-          <a:xfrm>
-            <a:off x="6978909" y="3663440"/>
+          <p:cNvPr id="18" name="TextBox 17"/>
+          <p:cNvSpPr txBox="1"/>
+          <p:nvPr/>
+        </p:nvSpPr>
+        <p:spPr>
+          <a:xfrm>
+            <a:off x="5981172" y="3393102"/>
             <a:ext cx="503853" cy="307777"/>
           </a:xfrm>
           <a:prstGeom prst="rect">
@@ -3852,7 +3930,7 @@
           <a:lstStyle/>
           <a:p>
             <a:r>
-              <a:rPr lang="en-US" sz="1400" dirty="0" smtClean="0">
+              <a:rPr lang="en-US" sz="1400" dirty="0">
                 <a:solidFill>
                   <a:schemeClr val="bg1"/>
                 </a:solidFill>
@@ -3860,7 +3938,43 @@
                 <a:ea typeface="Roboto" charset="0"/>
                 <a:cs typeface="Roboto" charset="0"/>
               </a:rPr>
-              <a:t>5</a:t>
+              <a:t>6</a:t>
+            </a:r>
+          </a:p>
+        </p:txBody>
+      </p:sp>
+      <p:sp>
+        <p:nvSpPr>
+          <p:cNvPr id="19" name="TextBox 18"/>
+          <p:cNvSpPr txBox="1"/>
+          <p:nvPr/>
+        </p:nvSpPr>
+        <p:spPr>
+          <a:xfrm>
+            <a:off x="6176669" y="2751954"/>
+            <a:ext cx="503853" cy="307777"/>
+          </a:xfrm>
+          <a:prstGeom prst="rect">
+            <a:avLst/>
+          </a:prstGeom>
+          <a:noFill/>
+        </p:spPr>
+        <p:txBody>
+          <a:bodyPr wrap="square" rtlCol="0">
+            <a:spAutoFit/>
+          </a:bodyPr>
+          <a:lstStyle/>
+          <a:p>
+            <a:r>
+              <a:rPr lang="en-US" sz="1400" dirty="0" smtClean="0">
+                <a:solidFill>
+                  <a:schemeClr val="bg1"/>
+                </a:solidFill>
+                <a:latin typeface="Roboto" charset="0"/>
+                <a:ea typeface="Roboto" charset="0"/>
+                <a:cs typeface="Roboto" charset="0"/>
+              </a:rPr>
+              <a:t>12</a:t>
             </a:r>
             <a:endParaRPr lang="en-US" sz="1400" dirty="0">
               <a:solidFill>
@@ -3875,138 +3989,6 @@
       </p:sp>
       <p:sp>
         <p:nvSpPr>
-          <p:cNvPr id="17" name="TextBox 16"/>
-          <p:cNvSpPr txBox="1"/>
-          <p:nvPr/>
-        </p:nvSpPr>
-        <p:spPr>
-          <a:xfrm>
-            <a:off x="6312938" y="3387009"/>
-            <a:ext cx="503853" cy="307777"/>
-          </a:xfrm>
-          <a:prstGeom prst="rect">
-            <a:avLst/>
-          </a:prstGeom>
-          <a:noFill/>
-        </p:spPr>
-        <p:txBody>
-          <a:bodyPr wrap="square" rtlCol="0">
-            <a:spAutoFit/>
-          </a:bodyPr>
-          <a:lstStyle/>
-          <a:p>
-            <a:r>
-              <a:rPr lang="en-US" sz="1400" dirty="0" smtClean="0">
-                <a:solidFill>
-                  <a:schemeClr val="bg1"/>
-                </a:solidFill>
-                <a:latin typeface="Roboto" charset="0"/>
-                <a:ea typeface="Roboto" charset="0"/>
-                <a:cs typeface="Roboto" charset="0"/>
-              </a:rPr>
-              <a:t>4</a:t>
-            </a:r>
-            <a:endParaRPr lang="en-US" sz="1400" dirty="0">
-              <a:solidFill>
-                <a:schemeClr val="bg1"/>
-              </a:solidFill>
-              <a:latin typeface="Roboto" charset="0"/>
-              <a:ea typeface="Roboto" charset="0"/>
-              <a:cs typeface="Roboto" charset="0"/>
-            </a:endParaRPr>
-          </a:p>
-        </p:txBody>
-      </p:sp>
-      <p:sp>
-        <p:nvSpPr>
-          <p:cNvPr id="18" name="TextBox 17"/>
-          <p:cNvSpPr txBox="1"/>
-          <p:nvPr/>
-        </p:nvSpPr>
-        <p:spPr>
-          <a:xfrm>
-            <a:off x="5981172" y="3393102"/>
-            <a:ext cx="503853" cy="307777"/>
-          </a:xfrm>
-          <a:prstGeom prst="rect">
-            <a:avLst/>
-          </a:prstGeom>
-          <a:noFill/>
-        </p:spPr>
-        <p:txBody>
-          <a:bodyPr wrap="square" rtlCol="0">
-            <a:spAutoFit/>
-          </a:bodyPr>
-          <a:lstStyle/>
-          <a:p>
-            <a:r>
-              <a:rPr lang="en-US" sz="1400" dirty="0">
-                <a:solidFill>
-                  <a:schemeClr val="bg1"/>
-                </a:solidFill>
-                <a:latin typeface="Roboto" charset="0"/>
-                <a:ea typeface="Roboto" charset="0"/>
-                <a:cs typeface="Roboto" charset="0"/>
-              </a:rPr>
-              <a:t>6</a:t>
-            </a:r>
-            <a:endParaRPr lang="en-US" sz="1400" dirty="0">
-              <a:solidFill>
-                <a:schemeClr val="bg1"/>
-              </a:solidFill>
-              <a:latin typeface="Roboto" charset="0"/>
-              <a:ea typeface="Roboto" charset="0"/>
-              <a:cs typeface="Roboto" charset="0"/>
-            </a:endParaRPr>
-          </a:p>
-        </p:txBody>
-      </p:sp>
-      <p:sp>
-        <p:nvSpPr>
-          <p:cNvPr id="19" name="TextBox 18"/>
-          <p:cNvSpPr txBox="1"/>
-          <p:nvPr/>
-        </p:nvSpPr>
-        <p:spPr>
-          <a:xfrm>
-            <a:off x="6176669" y="2751954"/>
-            <a:ext cx="503853" cy="307777"/>
-          </a:xfrm>
-          <a:prstGeom prst="rect">
-            <a:avLst/>
-          </a:prstGeom>
-          <a:noFill/>
-        </p:spPr>
-        <p:txBody>
-          <a:bodyPr wrap="square" rtlCol="0">
-            <a:spAutoFit/>
-          </a:bodyPr>
-          <a:lstStyle/>
-          <a:p>
-            <a:r>
-              <a:rPr lang="en-US" sz="1400" dirty="0" smtClean="0">
-                <a:solidFill>
-                  <a:schemeClr val="bg1"/>
-                </a:solidFill>
-                <a:latin typeface="Roboto" charset="0"/>
-                <a:ea typeface="Roboto" charset="0"/>
-                <a:cs typeface="Roboto" charset="0"/>
-              </a:rPr>
-              <a:t>12</a:t>
-            </a:r>
-            <a:endParaRPr lang="en-US" sz="1400" dirty="0">
-              <a:solidFill>
-                <a:schemeClr val="bg1"/>
-              </a:solidFill>
-              <a:latin typeface="Roboto" charset="0"/>
-              <a:ea typeface="Roboto" charset="0"/>
-              <a:cs typeface="Roboto" charset="0"/>
-            </a:endParaRPr>
-          </a:p>
-        </p:txBody>
-      </p:sp>
-      <p:sp>
-        <p:nvSpPr>
           <p:cNvPr id="20" name="TextBox 19"/>
           <p:cNvSpPr txBox="1"/>
           <p:nvPr/>
@@ -4038,14 +4020,6 @@
               </a:rPr>
               <a:t>7</a:t>
             </a:r>
-            <a:endParaRPr lang="en-US" sz="1400" dirty="0">
-              <a:solidFill>
-                <a:schemeClr val="bg1"/>
-              </a:solidFill>
-              <a:latin typeface="Roboto" charset="0"/>
-              <a:ea typeface="Roboto" charset="0"/>
-              <a:cs typeface="Roboto" charset="0"/>
-            </a:endParaRPr>
           </a:p>
         </p:txBody>
       </p:sp>
@@ -5210,6 +5184,1866 @@
           <a:chExt cx="0" cy="0"/>
         </a:xfrm>
       </p:grpSpPr>
+      <p:sp>
+        <p:nvSpPr>
+          <p:cNvPr id="4" name="Rectangle 3"/>
+          <p:cNvSpPr/>
+          <p:nvPr/>
+        </p:nvSpPr>
+        <p:spPr>
+          <a:xfrm>
+            <a:off x="2715208" y="1642188"/>
+            <a:ext cx="2967135" cy="3536302"/>
+          </a:xfrm>
+          <a:prstGeom prst="rect">
+            <a:avLst/>
+          </a:prstGeom>
+          <a:ln w="38100">
+            <a:solidFill>
+              <a:schemeClr val="bg1"/>
+            </a:solidFill>
+          </a:ln>
+        </p:spPr>
+        <p:style>
+          <a:lnRef idx="2">
+            <a:schemeClr val="accent1">
+              <a:shade val="50000"/>
+            </a:schemeClr>
+          </a:lnRef>
+          <a:fillRef idx="1">
+            <a:schemeClr val="accent1"/>
+          </a:fillRef>
+          <a:effectRef idx="0">
+            <a:schemeClr val="accent1"/>
+          </a:effectRef>
+          <a:fontRef idx="minor">
+            <a:schemeClr val="lt1"/>
+          </a:fontRef>
+        </p:style>
+        <p:txBody>
+          <a:bodyPr rtlCol="0" anchor="ctr"/>
+          <a:lstStyle/>
+          <a:p>
+            <a:pPr algn="ctr"/>
+            <a:endParaRPr lang="en-US" sz="1400">
+              <a:latin typeface="Roboto" charset="0"/>
+              <a:ea typeface="Roboto" charset="0"/>
+              <a:cs typeface="Roboto" charset="0"/>
+            </a:endParaRPr>
+          </a:p>
+        </p:txBody>
+      </p:sp>
+      <p:sp>
+        <p:nvSpPr>
+          <p:cNvPr id="5" name="Rectangle 4"/>
+          <p:cNvSpPr/>
+          <p:nvPr/>
+        </p:nvSpPr>
+        <p:spPr>
+          <a:xfrm>
+            <a:off x="5682343" y="1642188"/>
+            <a:ext cx="2967135" cy="3536302"/>
+          </a:xfrm>
+          <a:prstGeom prst="rect">
+            <a:avLst/>
+          </a:prstGeom>
+          <a:solidFill>
+            <a:srgbClr val="FF0000"/>
+          </a:solidFill>
+          <a:ln w="38100">
+            <a:solidFill>
+              <a:schemeClr val="bg1"/>
+            </a:solidFill>
+          </a:ln>
+        </p:spPr>
+        <p:style>
+          <a:lnRef idx="2">
+            <a:schemeClr val="accent1">
+              <a:shade val="50000"/>
+            </a:schemeClr>
+          </a:lnRef>
+          <a:fillRef idx="1">
+            <a:schemeClr val="accent1"/>
+          </a:fillRef>
+          <a:effectRef idx="0">
+            <a:schemeClr val="accent1"/>
+          </a:effectRef>
+          <a:fontRef idx="minor">
+            <a:schemeClr val="lt1"/>
+          </a:fontRef>
+        </p:style>
+        <p:txBody>
+          <a:bodyPr rtlCol="0" anchor="ctr"/>
+          <a:lstStyle/>
+          <a:p>
+            <a:pPr algn="ctr"/>
+            <a:endParaRPr lang="en-US" sz="1400">
+              <a:latin typeface="Roboto" charset="0"/>
+              <a:ea typeface="Roboto" charset="0"/>
+              <a:cs typeface="Roboto" charset="0"/>
+            </a:endParaRPr>
+          </a:p>
+        </p:txBody>
+      </p:sp>
+      <p:sp>
+        <p:nvSpPr>
+          <p:cNvPr id="7" name="Pie 6"/>
+          <p:cNvSpPr/>
+          <p:nvPr/>
+        </p:nvSpPr>
+        <p:spPr>
+          <a:xfrm>
+            <a:off x="4660641" y="2388637"/>
+            <a:ext cx="2043404" cy="2043404"/>
+          </a:xfrm>
+          <a:prstGeom prst="pie">
+            <a:avLst>
+              <a:gd name="adj1" fmla="val 5394212"/>
+              <a:gd name="adj2" fmla="val 16200000"/>
+            </a:avLst>
+          </a:prstGeom>
+          <a:solidFill>
+            <a:srgbClr val="FF0000"/>
+          </a:solidFill>
+          <a:ln w="38100">
+            <a:solidFill>
+              <a:schemeClr val="bg1"/>
+            </a:solidFill>
+          </a:ln>
+        </p:spPr>
+        <p:style>
+          <a:lnRef idx="2">
+            <a:schemeClr val="accent1">
+              <a:shade val="50000"/>
+            </a:schemeClr>
+          </a:lnRef>
+          <a:fillRef idx="1">
+            <a:schemeClr val="accent1"/>
+          </a:fillRef>
+          <a:effectRef idx="0">
+            <a:schemeClr val="accent1"/>
+          </a:effectRef>
+          <a:fontRef idx="minor">
+            <a:schemeClr val="lt1"/>
+          </a:fontRef>
+        </p:style>
+        <p:txBody>
+          <a:bodyPr rtlCol="0" anchor="ctr"/>
+          <a:lstStyle/>
+          <a:p>
+            <a:pPr algn="ctr"/>
+            <a:endParaRPr lang="en-US" sz="1400">
+              <a:solidFill>
+                <a:schemeClr val="tx1"/>
+              </a:solidFill>
+              <a:latin typeface="Roboto" charset="0"/>
+              <a:ea typeface="Roboto" charset="0"/>
+              <a:cs typeface="Roboto" charset="0"/>
+            </a:endParaRPr>
+          </a:p>
+        </p:txBody>
+      </p:sp>
+      <p:sp>
+        <p:nvSpPr>
+          <p:cNvPr id="8" name="Pie 7"/>
+          <p:cNvSpPr/>
+          <p:nvPr/>
+        </p:nvSpPr>
+        <p:spPr>
+          <a:xfrm rot="10800000">
+            <a:off x="4665305" y="2388637"/>
+            <a:ext cx="2043404" cy="2043404"/>
+          </a:xfrm>
+          <a:prstGeom prst="pie">
+            <a:avLst>
+              <a:gd name="adj1" fmla="val 5394212"/>
+              <a:gd name="adj2" fmla="val 16200000"/>
+            </a:avLst>
+          </a:prstGeom>
+          <a:ln w="38100">
+            <a:solidFill>
+              <a:schemeClr val="bg1"/>
+            </a:solidFill>
+          </a:ln>
+        </p:spPr>
+        <p:style>
+          <a:lnRef idx="2">
+            <a:schemeClr val="accent1">
+              <a:shade val="50000"/>
+            </a:schemeClr>
+          </a:lnRef>
+          <a:fillRef idx="1">
+            <a:schemeClr val="accent1"/>
+          </a:fillRef>
+          <a:effectRef idx="0">
+            <a:schemeClr val="accent1"/>
+          </a:effectRef>
+          <a:fontRef idx="minor">
+            <a:schemeClr val="lt1"/>
+          </a:fontRef>
+        </p:style>
+        <p:txBody>
+          <a:bodyPr rtlCol="0" anchor="ctr"/>
+          <a:lstStyle/>
+          <a:p>
+            <a:pPr algn="ctr"/>
+            <a:endParaRPr lang="en-US" sz="1400">
+              <a:latin typeface="Roboto" charset="0"/>
+              <a:ea typeface="Roboto" charset="0"/>
+              <a:cs typeface="Roboto" charset="0"/>
+            </a:endParaRPr>
+          </a:p>
+        </p:txBody>
+      </p:sp>
+      <p:sp>
+        <p:nvSpPr>
+          <p:cNvPr id="9" name="TextBox 8"/>
+          <p:cNvSpPr txBox="1"/>
+          <p:nvPr/>
+        </p:nvSpPr>
+        <p:spPr>
+          <a:xfrm>
+            <a:off x="3475653" y="1272855"/>
+            <a:ext cx="1446245" cy="307777"/>
+          </a:xfrm>
+          <a:prstGeom prst="rect">
+            <a:avLst/>
+          </a:prstGeom>
+          <a:noFill/>
+        </p:spPr>
+        <p:txBody>
+          <a:bodyPr wrap="square" rtlCol="0">
+            <a:spAutoFit/>
+          </a:bodyPr>
+          <a:lstStyle/>
+          <a:p>
+            <a:pPr algn="ctr"/>
+            <a:r>
+              <a:rPr lang="en-US" sz="1400" smtClean="0">
+                <a:latin typeface="Roboto" charset="0"/>
+                <a:ea typeface="Roboto" charset="0"/>
+                <a:cs typeface="Roboto" charset="0"/>
+              </a:rPr>
+              <a:t>True Blue</a:t>
+            </a:r>
+            <a:endParaRPr lang="en-US" sz="1400">
+              <a:latin typeface="Roboto" charset="0"/>
+              <a:ea typeface="Roboto" charset="0"/>
+              <a:cs typeface="Roboto" charset="0"/>
+            </a:endParaRPr>
+          </a:p>
+        </p:txBody>
+      </p:sp>
+      <p:sp>
+        <p:nvSpPr>
+          <p:cNvPr id="10" name="TextBox 9"/>
+          <p:cNvSpPr txBox="1"/>
+          <p:nvPr/>
+        </p:nvSpPr>
+        <p:spPr>
+          <a:xfrm>
+            <a:off x="6442788" y="1272855"/>
+            <a:ext cx="1446245" cy="307777"/>
+          </a:xfrm>
+          <a:prstGeom prst="rect">
+            <a:avLst/>
+          </a:prstGeom>
+          <a:noFill/>
+        </p:spPr>
+        <p:txBody>
+          <a:bodyPr wrap="square" rtlCol="0">
+            <a:spAutoFit/>
+          </a:bodyPr>
+          <a:lstStyle/>
+          <a:p>
+            <a:pPr algn="ctr"/>
+            <a:r>
+              <a:rPr lang="en-US" sz="1400" smtClean="0">
+                <a:latin typeface="Roboto" charset="0"/>
+                <a:ea typeface="Roboto" charset="0"/>
+                <a:cs typeface="Roboto" charset="0"/>
+              </a:rPr>
+              <a:t>True Red</a:t>
+            </a:r>
+            <a:endParaRPr lang="en-US" sz="1400">
+              <a:latin typeface="Roboto" charset="0"/>
+              <a:ea typeface="Roboto" charset="0"/>
+              <a:cs typeface="Roboto" charset="0"/>
+            </a:endParaRPr>
+          </a:p>
+        </p:txBody>
+      </p:sp>
+      <p:sp>
+        <p:nvSpPr>
+          <p:cNvPr id="11" name="TextBox 10"/>
+          <p:cNvSpPr txBox="1"/>
+          <p:nvPr/>
+        </p:nvSpPr>
+        <p:spPr>
+          <a:xfrm>
+            <a:off x="5540829" y="4461978"/>
+            <a:ext cx="1446245" cy="307777"/>
+          </a:xfrm>
+          <a:prstGeom prst="rect">
+            <a:avLst/>
+          </a:prstGeom>
+          <a:noFill/>
+        </p:spPr>
+        <p:txBody>
+          <a:bodyPr wrap="square" rtlCol="0">
+            <a:spAutoFit/>
+          </a:bodyPr>
+          <a:lstStyle/>
+          <a:p>
+            <a:pPr algn="ctr"/>
+            <a:r>
+              <a:rPr lang="en-US" sz="1400" smtClean="0">
+                <a:solidFill>
+                  <a:schemeClr val="bg1"/>
+                </a:solidFill>
+                <a:latin typeface="Roboto" charset="0"/>
+                <a:ea typeface="Roboto" charset="0"/>
+                <a:cs typeface="Roboto" charset="0"/>
+              </a:rPr>
+              <a:t>False Blue</a:t>
+            </a:r>
+            <a:endParaRPr lang="en-US" sz="1400" dirty="0">
+              <a:solidFill>
+                <a:schemeClr val="bg1"/>
+              </a:solidFill>
+              <a:latin typeface="Roboto" charset="0"/>
+              <a:ea typeface="Roboto" charset="0"/>
+              <a:cs typeface="Roboto" charset="0"/>
+            </a:endParaRPr>
+          </a:p>
+        </p:txBody>
+      </p:sp>
+      <p:sp>
+        <p:nvSpPr>
+          <p:cNvPr id="12" name="TextBox 11"/>
+          <p:cNvSpPr txBox="1"/>
+          <p:nvPr/>
+        </p:nvSpPr>
+        <p:spPr>
+          <a:xfrm>
+            <a:off x="4211992" y="4473255"/>
+            <a:ext cx="1446245" cy="307777"/>
+          </a:xfrm>
+          <a:prstGeom prst="rect">
+            <a:avLst/>
+          </a:prstGeom>
+          <a:noFill/>
+        </p:spPr>
+        <p:txBody>
+          <a:bodyPr wrap="square" rtlCol="0">
+            <a:spAutoFit/>
+          </a:bodyPr>
+          <a:lstStyle/>
+          <a:p>
+            <a:pPr algn="r"/>
+            <a:r>
+              <a:rPr lang="en-US" sz="1400" dirty="0" smtClean="0">
+                <a:solidFill>
+                  <a:schemeClr val="bg1"/>
+                </a:solidFill>
+                <a:latin typeface="Roboto" charset="0"/>
+                <a:ea typeface="Roboto" charset="0"/>
+                <a:cs typeface="Roboto" charset="0"/>
+              </a:rPr>
+              <a:t>False Red</a:t>
+            </a:r>
+            <a:endParaRPr lang="en-US" sz="1400" dirty="0">
+              <a:solidFill>
+                <a:schemeClr val="bg1"/>
+              </a:solidFill>
+              <a:latin typeface="Roboto" charset="0"/>
+              <a:ea typeface="Roboto" charset="0"/>
+              <a:cs typeface="Roboto" charset="0"/>
+            </a:endParaRPr>
+          </a:p>
+        </p:txBody>
+      </p:sp>
+      <p:sp>
+        <p:nvSpPr>
+          <p:cNvPr id="13" name="TextBox 12"/>
+          <p:cNvSpPr txBox="1"/>
+          <p:nvPr/>
+        </p:nvSpPr>
+        <p:spPr>
+          <a:xfrm>
+            <a:off x="6079870" y="1850645"/>
+            <a:ext cx="503853" cy="307777"/>
+          </a:xfrm>
+          <a:prstGeom prst="rect">
+            <a:avLst/>
+          </a:prstGeom>
+          <a:noFill/>
+        </p:spPr>
+        <p:txBody>
+          <a:bodyPr wrap="square" rtlCol="0">
+            <a:spAutoFit/>
+          </a:bodyPr>
+          <a:lstStyle/>
+          <a:p>
+            <a:r>
+              <a:rPr lang="en-US" sz="1400" dirty="0">
+                <a:solidFill>
+                  <a:schemeClr val="bg1"/>
+                </a:solidFill>
+                <a:latin typeface="Roboto" charset="0"/>
+                <a:ea typeface="Roboto" charset="0"/>
+                <a:cs typeface="Roboto" charset="0"/>
+              </a:rPr>
+              <a:t>1</a:t>
+            </a:r>
+          </a:p>
+        </p:txBody>
+      </p:sp>
+      <p:sp>
+        <p:nvSpPr>
+          <p:cNvPr id="14" name="TextBox 13"/>
+          <p:cNvSpPr txBox="1"/>
+          <p:nvPr/>
+        </p:nvSpPr>
+        <p:spPr>
+          <a:xfrm>
+            <a:off x="7318995" y="4571125"/>
+            <a:ext cx="503853" cy="307777"/>
+          </a:xfrm>
+          <a:prstGeom prst="rect">
+            <a:avLst/>
+          </a:prstGeom>
+          <a:noFill/>
+        </p:spPr>
+        <p:txBody>
+          <a:bodyPr wrap="square" rtlCol="0">
+            <a:spAutoFit/>
+          </a:bodyPr>
+          <a:lstStyle/>
+          <a:p>
+            <a:r>
+              <a:rPr lang="en-US" sz="1400" dirty="0" smtClean="0">
+                <a:solidFill>
+                  <a:schemeClr val="bg1"/>
+                </a:solidFill>
+                <a:latin typeface="Roboto" charset="0"/>
+                <a:ea typeface="Roboto" charset="0"/>
+                <a:cs typeface="Roboto" charset="0"/>
+              </a:rPr>
+              <a:t>2</a:t>
+            </a:r>
+            <a:endParaRPr lang="en-US" sz="1400" dirty="0">
+              <a:solidFill>
+                <a:schemeClr val="bg1"/>
+              </a:solidFill>
+              <a:latin typeface="Roboto" charset="0"/>
+              <a:ea typeface="Roboto" charset="0"/>
+              <a:cs typeface="Roboto" charset="0"/>
+            </a:endParaRPr>
+          </a:p>
+        </p:txBody>
+      </p:sp>
+      <p:sp>
+        <p:nvSpPr>
+          <p:cNvPr id="15" name="TextBox 14"/>
+          <p:cNvSpPr txBox="1"/>
+          <p:nvPr/>
+        </p:nvSpPr>
+        <p:spPr>
+          <a:xfrm>
+            <a:off x="5879065" y="3477759"/>
+            <a:ext cx="503853" cy="307777"/>
+          </a:xfrm>
+          <a:prstGeom prst="rect">
+            <a:avLst/>
+          </a:prstGeom>
+          <a:noFill/>
+        </p:spPr>
+        <p:txBody>
+          <a:bodyPr wrap="square" rtlCol="0">
+            <a:spAutoFit/>
+          </a:bodyPr>
+          <a:lstStyle/>
+          <a:p>
+            <a:r>
+              <a:rPr lang="en-US" sz="1400" dirty="0">
+                <a:solidFill>
+                  <a:schemeClr val="bg1"/>
+                </a:solidFill>
+                <a:latin typeface="Roboto" charset="0"/>
+                <a:ea typeface="Roboto" charset="0"/>
+                <a:cs typeface="Roboto" charset="0"/>
+              </a:rPr>
+              <a:t>3</a:t>
+            </a:r>
+          </a:p>
+        </p:txBody>
+      </p:sp>
+      <p:sp>
+        <p:nvSpPr>
+          <p:cNvPr id="16" name="TextBox 15"/>
+          <p:cNvSpPr txBox="1"/>
+          <p:nvPr/>
+        </p:nvSpPr>
+        <p:spPr>
+          <a:xfrm>
+            <a:off x="6978909" y="3663440"/>
+            <a:ext cx="503853" cy="307777"/>
+          </a:xfrm>
+          <a:prstGeom prst="rect">
+            <a:avLst/>
+          </a:prstGeom>
+          <a:noFill/>
+        </p:spPr>
+        <p:txBody>
+          <a:bodyPr wrap="square" rtlCol="0">
+            <a:spAutoFit/>
+          </a:bodyPr>
+          <a:lstStyle/>
+          <a:p>
+            <a:r>
+              <a:rPr lang="en-US" sz="1400" dirty="0" smtClean="0">
+                <a:solidFill>
+                  <a:schemeClr val="bg1"/>
+                </a:solidFill>
+                <a:latin typeface="Roboto" charset="0"/>
+                <a:ea typeface="Roboto" charset="0"/>
+                <a:cs typeface="Roboto" charset="0"/>
+              </a:rPr>
+              <a:t>5</a:t>
+            </a:r>
+            <a:endParaRPr lang="en-US" sz="1400" dirty="0">
+              <a:solidFill>
+                <a:schemeClr val="bg1"/>
+              </a:solidFill>
+              <a:latin typeface="Roboto" charset="0"/>
+              <a:ea typeface="Roboto" charset="0"/>
+              <a:cs typeface="Roboto" charset="0"/>
+            </a:endParaRPr>
+          </a:p>
+        </p:txBody>
+      </p:sp>
+      <p:sp>
+        <p:nvSpPr>
+          <p:cNvPr id="17" name="TextBox 16"/>
+          <p:cNvSpPr txBox="1"/>
+          <p:nvPr/>
+        </p:nvSpPr>
+        <p:spPr>
+          <a:xfrm>
+            <a:off x="6815142" y="1941235"/>
+            <a:ext cx="503853" cy="307777"/>
+          </a:xfrm>
+          <a:prstGeom prst="rect">
+            <a:avLst/>
+          </a:prstGeom>
+          <a:noFill/>
+        </p:spPr>
+        <p:txBody>
+          <a:bodyPr wrap="square" rtlCol="0">
+            <a:spAutoFit/>
+          </a:bodyPr>
+          <a:lstStyle/>
+          <a:p>
+            <a:r>
+              <a:rPr lang="en-US" sz="1400" dirty="0" smtClean="0">
+                <a:solidFill>
+                  <a:schemeClr val="bg1"/>
+                </a:solidFill>
+                <a:latin typeface="Roboto" charset="0"/>
+                <a:ea typeface="Roboto" charset="0"/>
+                <a:cs typeface="Roboto" charset="0"/>
+              </a:rPr>
+              <a:t>4</a:t>
+            </a:r>
+            <a:endParaRPr lang="en-US" sz="1400" dirty="0">
+              <a:solidFill>
+                <a:schemeClr val="bg1"/>
+              </a:solidFill>
+              <a:latin typeface="Roboto" charset="0"/>
+              <a:ea typeface="Roboto" charset="0"/>
+              <a:cs typeface="Roboto" charset="0"/>
+            </a:endParaRPr>
+          </a:p>
+        </p:txBody>
+      </p:sp>
+      <p:sp>
+        <p:nvSpPr>
+          <p:cNvPr id="18" name="TextBox 17"/>
+          <p:cNvSpPr txBox="1"/>
+          <p:nvPr/>
+        </p:nvSpPr>
+        <p:spPr>
+          <a:xfrm>
+            <a:off x="6989406" y="4473255"/>
+            <a:ext cx="503853" cy="307777"/>
+          </a:xfrm>
+          <a:prstGeom prst="rect">
+            <a:avLst/>
+          </a:prstGeom>
+          <a:noFill/>
+        </p:spPr>
+        <p:txBody>
+          <a:bodyPr wrap="square" rtlCol="0">
+            <a:spAutoFit/>
+          </a:bodyPr>
+          <a:lstStyle/>
+          <a:p>
+            <a:r>
+              <a:rPr lang="en-US" sz="1400" dirty="0">
+                <a:solidFill>
+                  <a:schemeClr val="bg1"/>
+                </a:solidFill>
+                <a:latin typeface="Roboto" charset="0"/>
+                <a:ea typeface="Roboto" charset="0"/>
+                <a:cs typeface="Roboto" charset="0"/>
+              </a:rPr>
+              <a:t>6</a:t>
+            </a:r>
+          </a:p>
+        </p:txBody>
+      </p:sp>
+      <p:sp>
+        <p:nvSpPr>
+          <p:cNvPr id="19" name="TextBox 18"/>
+          <p:cNvSpPr txBox="1"/>
+          <p:nvPr/>
+        </p:nvSpPr>
+        <p:spPr>
+          <a:xfrm>
+            <a:off x="8050585" y="2396133"/>
+            <a:ext cx="503853" cy="307777"/>
+          </a:xfrm>
+          <a:prstGeom prst="rect">
+            <a:avLst/>
+          </a:prstGeom>
+          <a:noFill/>
+        </p:spPr>
+        <p:txBody>
+          <a:bodyPr wrap="square" rtlCol="0">
+            <a:spAutoFit/>
+          </a:bodyPr>
+          <a:lstStyle/>
+          <a:p>
+            <a:r>
+              <a:rPr lang="en-US" sz="1400" dirty="0" smtClean="0">
+                <a:solidFill>
+                  <a:schemeClr val="bg1"/>
+                </a:solidFill>
+                <a:latin typeface="Roboto" charset="0"/>
+                <a:ea typeface="Roboto" charset="0"/>
+                <a:cs typeface="Roboto" charset="0"/>
+              </a:rPr>
+              <a:t>12</a:t>
+            </a:r>
+            <a:endParaRPr lang="en-US" sz="1400" dirty="0">
+              <a:solidFill>
+                <a:schemeClr val="bg1"/>
+              </a:solidFill>
+              <a:latin typeface="Roboto" charset="0"/>
+              <a:ea typeface="Roboto" charset="0"/>
+              <a:cs typeface="Roboto" charset="0"/>
+            </a:endParaRPr>
+          </a:p>
+        </p:txBody>
+      </p:sp>
+      <p:sp>
+        <p:nvSpPr>
+          <p:cNvPr id="20" name="TextBox 19"/>
+          <p:cNvSpPr txBox="1"/>
+          <p:nvPr/>
+        </p:nvSpPr>
+        <p:spPr>
+          <a:xfrm>
+            <a:off x="6997768" y="3131594"/>
+            <a:ext cx="503853" cy="307777"/>
+          </a:xfrm>
+          <a:prstGeom prst="rect">
+            <a:avLst/>
+          </a:prstGeom>
+          <a:noFill/>
+        </p:spPr>
+        <p:txBody>
+          <a:bodyPr wrap="square" rtlCol="0">
+            <a:spAutoFit/>
+          </a:bodyPr>
+          <a:lstStyle/>
+          <a:p>
+            <a:r>
+              <a:rPr lang="en-US" sz="1400" dirty="0">
+                <a:solidFill>
+                  <a:schemeClr val="bg1"/>
+                </a:solidFill>
+                <a:latin typeface="Roboto" charset="0"/>
+                <a:ea typeface="Roboto" charset="0"/>
+                <a:cs typeface="Roboto" charset="0"/>
+              </a:rPr>
+              <a:t>7</a:t>
+            </a:r>
+          </a:p>
+        </p:txBody>
+      </p:sp>
+      <p:sp>
+        <p:nvSpPr>
+          <p:cNvPr id="21" name="TextBox 20"/>
+          <p:cNvSpPr txBox="1"/>
+          <p:nvPr/>
+        </p:nvSpPr>
+        <p:spPr>
+          <a:xfrm>
+            <a:off x="6901257" y="2640580"/>
+            <a:ext cx="503853" cy="307777"/>
+          </a:xfrm>
+          <a:prstGeom prst="rect">
+            <a:avLst/>
+          </a:prstGeom>
+          <a:noFill/>
+        </p:spPr>
+        <p:txBody>
+          <a:bodyPr wrap="square" rtlCol="0">
+            <a:spAutoFit/>
+          </a:bodyPr>
+          <a:lstStyle/>
+          <a:p>
+            <a:r>
+              <a:rPr lang="en-US" sz="1400" dirty="0" smtClean="0">
+                <a:solidFill>
+                  <a:schemeClr val="bg1"/>
+                </a:solidFill>
+                <a:latin typeface="Roboto" charset="0"/>
+                <a:ea typeface="Roboto" charset="0"/>
+                <a:cs typeface="Roboto" charset="0"/>
+              </a:rPr>
+              <a:t>8</a:t>
+            </a:r>
+            <a:endParaRPr lang="en-US" sz="1400" dirty="0">
+              <a:solidFill>
+                <a:schemeClr val="bg1"/>
+              </a:solidFill>
+              <a:latin typeface="Roboto" charset="0"/>
+              <a:ea typeface="Roboto" charset="0"/>
+              <a:cs typeface="Roboto" charset="0"/>
+            </a:endParaRPr>
+          </a:p>
+        </p:txBody>
+      </p:sp>
+      <p:sp>
+        <p:nvSpPr>
+          <p:cNvPr id="22" name="TextBox 21"/>
+          <p:cNvSpPr txBox="1"/>
+          <p:nvPr/>
+        </p:nvSpPr>
+        <p:spPr>
+          <a:xfrm>
+            <a:off x="5983093" y="2893830"/>
+            <a:ext cx="503853" cy="307777"/>
+          </a:xfrm>
+          <a:prstGeom prst="rect">
+            <a:avLst/>
+          </a:prstGeom>
+          <a:noFill/>
+        </p:spPr>
+        <p:txBody>
+          <a:bodyPr wrap="square" rtlCol="0">
+            <a:spAutoFit/>
+          </a:bodyPr>
+          <a:lstStyle/>
+          <a:p>
+            <a:r>
+              <a:rPr lang="en-US" sz="1400">
+                <a:solidFill>
+                  <a:schemeClr val="bg1"/>
+                </a:solidFill>
+                <a:latin typeface="Roboto" charset="0"/>
+                <a:ea typeface="Roboto" charset="0"/>
+                <a:cs typeface="Roboto" charset="0"/>
+              </a:rPr>
+              <a:t>9</a:t>
+            </a:r>
+            <a:endParaRPr lang="en-US" sz="1400" dirty="0">
+              <a:solidFill>
+                <a:schemeClr val="bg1"/>
+              </a:solidFill>
+              <a:latin typeface="Roboto" charset="0"/>
+              <a:ea typeface="Roboto" charset="0"/>
+              <a:cs typeface="Roboto" charset="0"/>
+            </a:endParaRPr>
+          </a:p>
+        </p:txBody>
+      </p:sp>
+      <p:sp>
+        <p:nvSpPr>
+          <p:cNvPr id="23" name="TextBox 22"/>
+          <p:cNvSpPr txBox="1"/>
+          <p:nvPr/>
+        </p:nvSpPr>
+        <p:spPr>
+          <a:xfrm>
+            <a:off x="7568205" y="2952768"/>
+            <a:ext cx="503853" cy="307777"/>
+          </a:xfrm>
+          <a:prstGeom prst="rect">
+            <a:avLst/>
+          </a:prstGeom>
+          <a:noFill/>
+        </p:spPr>
+        <p:txBody>
+          <a:bodyPr wrap="square" rtlCol="0">
+            <a:spAutoFit/>
+          </a:bodyPr>
+          <a:lstStyle/>
+          <a:p>
+            <a:r>
+              <a:rPr lang="en-US" sz="1400" dirty="0" smtClean="0">
+                <a:solidFill>
+                  <a:schemeClr val="bg1"/>
+                </a:solidFill>
+                <a:latin typeface="Roboto" charset="0"/>
+                <a:ea typeface="Roboto" charset="0"/>
+                <a:cs typeface="Roboto" charset="0"/>
+              </a:rPr>
+              <a:t>11</a:t>
+            </a:r>
+            <a:endParaRPr lang="en-US" sz="1400" dirty="0">
+              <a:solidFill>
+                <a:schemeClr val="bg1"/>
+              </a:solidFill>
+              <a:latin typeface="Roboto" charset="0"/>
+              <a:ea typeface="Roboto" charset="0"/>
+              <a:cs typeface="Roboto" charset="0"/>
+            </a:endParaRPr>
+          </a:p>
+        </p:txBody>
+      </p:sp>
+      <p:sp>
+        <p:nvSpPr>
+          <p:cNvPr id="24" name="TextBox 23"/>
+          <p:cNvSpPr txBox="1"/>
+          <p:nvPr/>
+        </p:nvSpPr>
+        <p:spPr>
+          <a:xfrm>
+            <a:off x="7324050" y="2347636"/>
+            <a:ext cx="503853" cy="307777"/>
+          </a:xfrm>
+          <a:prstGeom prst="rect">
+            <a:avLst/>
+          </a:prstGeom>
+          <a:noFill/>
+        </p:spPr>
+        <p:txBody>
+          <a:bodyPr wrap="square" rtlCol="0">
+            <a:spAutoFit/>
+          </a:bodyPr>
+          <a:lstStyle/>
+          <a:p>
+            <a:r>
+              <a:rPr lang="en-US" sz="1400" dirty="0" smtClean="0">
+                <a:solidFill>
+                  <a:schemeClr val="bg1"/>
+                </a:solidFill>
+                <a:latin typeface="Roboto" charset="0"/>
+                <a:ea typeface="Roboto" charset="0"/>
+                <a:cs typeface="Roboto" charset="0"/>
+              </a:rPr>
+              <a:t>13</a:t>
+            </a:r>
+            <a:endParaRPr lang="en-US" sz="1400" dirty="0">
+              <a:solidFill>
+                <a:schemeClr val="bg1"/>
+              </a:solidFill>
+              <a:latin typeface="Roboto" charset="0"/>
+              <a:ea typeface="Roboto" charset="0"/>
+              <a:cs typeface="Roboto" charset="0"/>
+            </a:endParaRPr>
+          </a:p>
+        </p:txBody>
+      </p:sp>
+      <p:sp>
+        <p:nvSpPr>
+          <p:cNvPr id="25" name="TextBox 24"/>
+          <p:cNvSpPr txBox="1"/>
+          <p:nvPr/>
+        </p:nvSpPr>
+        <p:spPr>
+          <a:xfrm>
+            <a:off x="7586566" y="3534959"/>
+            <a:ext cx="503853" cy="307777"/>
+          </a:xfrm>
+          <a:prstGeom prst="rect">
+            <a:avLst/>
+          </a:prstGeom>
+          <a:noFill/>
+        </p:spPr>
+        <p:txBody>
+          <a:bodyPr wrap="square" rtlCol="0">
+            <a:spAutoFit/>
+          </a:bodyPr>
+          <a:lstStyle/>
+          <a:p>
+            <a:r>
+              <a:rPr lang="en-US" sz="1400" dirty="0" smtClean="0">
+                <a:solidFill>
+                  <a:schemeClr val="bg1"/>
+                </a:solidFill>
+                <a:latin typeface="Roboto" charset="0"/>
+                <a:ea typeface="Roboto" charset="0"/>
+                <a:cs typeface="Roboto" charset="0"/>
+              </a:rPr>
+              <a:t>14</a:t>
+            </a:r>
+            <a:endParaRPr lang="en-US" sz="1400" dirty="0">
+              <a:solidFill>
+                <a:schemeClr val="bg1"/>
+              </a:solidFill>
+              <a:latin typeface="Roboto" charset="0"/>
+              <a:ea typeface="Roboto" charset="0"/>
+              <a:cs typeface="Roboto" charset="0"/>
+            </a:endParaRPr>
+          </a:p>
+        </p:txBody>
+      </p:sp>
+      <p:sp>
+        <p:nvSpPr>
+          <p:cNvPr id="26" name="TextBox 25"/>
+          <p:cNvSpPr txBox="1"/>
+          <p:nvPr/>
+        </p:nvSpPr>
+        <p:spPr>
+          <a:xfrm>
+            <a:off x="7270207" y="4062709"/>
+            <a:ext cx="503853" cy="307777"/>
+          </a:xfrm>
+          <a:prstGeom prst="rect">
+            <a:avLst/>
+          </a:prstGeom>
+          <a:noFill/>
+        </p:spPr>
+        <p:txBody>
+          <a:bodyPr wrap="square" rtlCol="0">
+            <a:spAutoFit/>
+          </a:bodyPr>
+          <a:lstStyle/>
+          <a:p>
+            <a:r>
+              <a:rPr lang="en-US" sz="1400" dirty="0" smtClean="0">
+                <a:solidFill>
+                  <a:schemeClr val="bg1"/>
+                </a:solidFill>
+                <a:latin typeface="Roboto" charset="0"/>
+                <a:ea typeface="Roboto" charset="0"/>
+                <a:cs typeface="Roboto" charset="0"/>
+              </a:rPr>
+              <a:t>17</a:t>
+            </a:r>
+            <a:endParaRPr lang="en-US" sz="1400" dirty="0">
+              <a:solidFill>
+                <a:schemeClr val="bg1"/>
+              </a:solidFill>
+              <a:latin typeface="Roboto" charset="0"/>
+              <a:ea typeface="Roboto" charset="0"/>
+              <a:cs typeface="Roboto" charset="0"/>
+            </a:endParaRPr>
+          </a:p>
+        </p:txBody>
+      </p:sp>
+      <p:sp>
+        <p:nvSpPr>
+          <p:cNvPr id="27" name="TextBox 26"/>
+          <p:cNvSpPr txBox="1"/>
+          <p:nvPr/>
+        </p:nvSpPr>
+        <p:spPr>
+          <a:xfrm>
+            <a:off x="7597900" y="1891181"/>
+            <a:ext cx="503853" cy="307777"/>
+          </a:xfrm>
+          <a:prstGeom prst="rect">
+            <a:avLst/>
+          </a:prstGeom>
+          <a:noFill/>
+        </p:spPr>
+        <p:txBody>
+          <a:bodyPr wrap="square" rtlCol="0">
+            <a:spAutoFit/>
+          </a:bodyPr>
+          <a:lstStyle/>
+          <a:p>
+            <a:r>
+              <a:rPr lang="en-US" sz="1400" dirty="0" smtClean="0">
+                <a:solidFill>
+                  <a:schemeClr val="bg1"/>
+                </a:solidFill>
+                <a:latin typeface="Roboto" charset="0"/>
+                <a:ea typeface="Roboto" charset="0"/>
+                <a:cs typeface="Roboto" charset="0"/>
+              </a:rPr>
+              <a:t>18</a:t>
+            </a:r>
+            <a:endParaRPr lang="en-US" sz="1400" dirty="0">
+              <a:solidFill>
+                <a:schemeClr val="bg1"/>
+              </a:solidFill>
+              <a:latin typeface="Roboto" charset="0"/>
+              <a:ea typeface="Roboto" charset="0"/>
+              <a:cs typeface="Roboto" charset="0"/>
+            </a:endParaRPr>
+          </a:p>
+        </p:txBody>
+      </p:sp>
+      <p:sp>
+        <p:nvSpPr>
+          <p:cNvPr id="28" name="TextBox 27"/>
+          <p:cNvSpPr txBox="1"/>
+          <p:nvPr/>
+        </p:nvSpPr>
+        <p:spPr>
+          <a:xfrm>
+            <a:off x="8090419" y="3717230"/>
+            <a:ext cx="503853" cy="307777"/>
+          </a:xfrm>
+          <a:prstGeom prst="rect">
+            <a:avLst/>
+          </a:prstGeom>
+          <a:noFill/>
+        </p:spPr>
+        <p:txBody>
+          <a:bodyPr wrap="square" rtlCol="0">
+            <a:spAutoFit/>
+          </a:bodyPr>
+          <a:lstStyle/>
+          <a:p>
+            <a:r>
+              <a:rPr lang="en-US" sz="1400" dirty="0" smtClean="0">
+                <a:solidFill>
+                  <a:schemeClr val="bg1"/>
+                </a:solidFill>
+                <a:latin typeface="Roboto" charset="0"/>
+                <a:ea typeface="Roboto" charset="0"/>
+                <a:cs typeface="Roboto" charset="0"/>
+              </a:rPr>
+              <a:t>22</a:t>
+            </a:r>
+            <a:endParaRPr lang="en-US" sz="1400" dirty="0">
+              <a:solidFill>
+                <a:schemeClr val="bg1"/>
+              </a:solidFill>
+              <a:latin typeface="Roboto" charset="0"/>
+              <a:ea typeface="Roboto" charset="0"/>
+              <a:cs typeface="Roboto" charset="0"/>
+            </a:endParaRPr>
+          </a:p>
+        </p:txBody>
+      </p:sp>
+      <p:sp>
+        <p:nvSpPr>
+          <p:cNvPr id="29" name="TextBox 28"/>
+          <p:cNvSpPr txBox="1"/>
+          <p:nvPr/>
+        </p:nvSpPr>
+        <p:spPr>
+          <a:xfrm>
+            <a:off x="7637106" y="4205974"/>
+            <a:ext cx="503853" cy="307777"/>
+          </a:xfrm>
+          <a:prstGeom prst="rect">
+            <a:avLst/>
+          </a:prstGeom>
+          <a:noFill/>
+        </p:spPr>
+        <p:txBody>
+          <a:bodyPr wrap="square" rtlCol="0">
+            <a:spAutoFit/>
+          </a:bodyPr>
+          <a:lstStyle/>
+          <a:p>
+            <a:r>
+              <a:rPr lang="en-US" sz="1400" smtClean="0">
+                <a:solidFill>
+                  <a:schemeClr val="bg1"/>
+                </a:solidFill>
+                <a:latin typeface="Roboto" charset="0"/>
+                <a:ea typeface="Roboto" charset="0"/>
+                <a:cs typeface="Roboto" charset="0"/>
+              </a:rPr>
+              <a:t>20</a:t>
+            </a:r>
+            <a:endParaRPr lang="en-US" sz="1400" dirty="0">
+              <a:solidFill>
+                <a:schemeClr val="bg1"/>
+              </a:solidFill>
+              <a:latin typeface="Roboto" charset="0"/>
+              <a:ea typeface="Roboto" charset="0"/>
+              <a:cs typeface="Roboto" charset="0"/>
+            </a:endParaRPr>
+          </a:p>
+        </p:txBody>
+      </p:sp>
+      <p:sp>
+        <p:nvSpPr>
+          <p:cNvPr id="30" name="TextBox 29"/>
+          <p:cNvSpPr txBox="1"/>
+          <p:nvPr/>
+        </p:nvSpPr>
+        <p:spPr>
+          <a:xfrm>
+            <a:off x="3349690" y="2347635"/>
+            <a:ext cx="678802" cy="307777"/>
+          </a:xfrm>
+          <a:prstGeom prst="rect">
+            <a:avLst/>
+          </a:prstGeom>
+          <a:noFill/>
+        </p:spPr>
+        <p:txBody>
+          <a:bodyPr wrap="square" rtlCol="0">
+            <a:spAutoFit/>
+          </a:bodyPr>
+          <a:lstStyle/>
+          <a:p>
+            <a:r>
+              <a:rPr lang="en-US" sz="1400" dirty="0" smtClean="0">
+                <a:solidFill>
+                  <a:schemeClr val="bg1"/>
+                </a:solidFill>
+                <a:latin typeface="Roboto" charset="0"/>
+                <a:ea typeface="Roboto" charset="0"/>
+                <a:cs typeface="Roboto" charset="0"/>
+              </a:rPr>
+              <a:t>10</a:t>
+            </a:r>
+            <a:endParaRPr lang="en-US" sz="1400" dirty="0">
+              <a:solidFill>
+                <a:schemeClr val="bg1"/>
+              </a:solidFill>
+              <a:latin typeface="Roboto" charset="0"/>
+              <a:ea typeface="Roboto" charset="0"/>
+              <a:cs typeface="Roboto" charset="0"/>
+            </a:endParaRPr>
+          </a:p>
+        </p:txBody>
+      </p:sp>
+      <p:sp>
+        <p:nvSpPr>
+          <p:cNvPr id="31" name="TextBox 30"/>
+          <p:cNvSpPr txBox="1"/>
+          <p:nvPr/>
+        </p:nvSpPr>
+        <p:spPr>
+          <a:xfrm>
+            <a:off x="3913996" y="2314549"/>
+            <a:ext cx="678802" cy="307777"/>
+          </a:xfrm>
+          <a:prstGeom prst="rect">
+            <a:avLst/>
+          </a:prstGeom>
+          <a:noFill/>
+        </p:spPr>
+        <p:txBody>
+          <a:bodyPr wrap="square" rtlCol="0">
+            <a:spAutoFit/>
+          </a:bodyPr>
+          <a:lstStyle/>
+          <a:p>
+            <a:r>
+              <a:rPr lang="en-US" sz="1400" dirty="0" smtClean="0">
+                <a:solidFill>
+                  <a:schemeClr val="bg1"/>
+                </a:solidFill>
+                <a:latin typeface="Roboto" charset="0"/>
+                <a:ea typeface="Roboto" charset="0"/>
+                <a:cs typeface="Roboto" charset="0"/>
+              </a:rPr>
+              <a:t>16</a:t>
+            </a:r>
+            <a:endParaRPr lang="en-US" sz="1400" dirty="0">
+              <a:solidFill>
+                <a:schemeClr val="bg1"/>
+              </a:solidFill>
+              <a:latin typeface="Roboto" charset="0"/>
+              <a:ea typeface="Roboto" charset="0"/>
+              <a:cs typeface="Roboto" charset="0"/>
+            </a:endParaRPr>
+          </a:p>
+        </p:txBody>
+      </p:sp>
+      <p:sp>
+        <p:nvSpPr>
+          <p:cNvPr id="32" name="TextBox 31"/>
+          <p:cNvSpPr txBox="1"/>
+          <p:nvPr/>
+        </p:nvSpPr>
+        <p:spPr>
+          <a:xfrm>
+            <a:off x="3654490" y="2652435"/>
+            <a:ext cx="678802" cy="307777"/>
+          </a:xfrm>
+          <a:prstGeom prst="rect">
+            <a:avLst/>
+          </a:prstGeom>
+          <a:noFill/>
+        </p:spPr>
+        <p:txBody>
+          <a:bodyPr wrap="square" rtlCol="0">
+            <a:spAutoFit/>
+          </a:bodyPr>
+          <a:lstStyle/>
+          <a:p>
+            <a:r>
+              <a:rPr lang="en-US" sz="1400" dirty="0" smtClean="0">
+                <a:solidFill>
+                  <a:schemeClr val="bg1"/>
+                </a:solidFill>
+                <a:latin typeface="Roboto" charset="0"/>
+                <a:ea typeface="Roboto" charset="0"/>
+                <a:cs typeface="Roboto" charset="0"/>
+              </a:rPr>
+              <a:t>19</a:t>
+            </a:r>
+          </a:p>
+        </p:txBody>
+      </p:sp>
+      <p:sp>
+        <p:nvSpPr>
+          <p:cNvPr id="33" name="TextBox 32"/>
+          <p:cNvSpPr txBox="1"/>
+          <p:nvPr/>
+        </p:nvSpPr>
+        <p:spPr>
+          <a:xfrm>
+            <a:off x="3480567" y="2992325"/>
+            <a:ext cx="678802" cy="307777"/>
+          </a:xfrm>
+          <a:prstGeom prst="rect">
+            <a:avLst/>
+          </a:prstGeom>
+          <a:noFill/>
+        </p:spPr>
+        <p:txBody>
+          <a:bodyPr wrap="square" rtlCol="0">
+            <a:spAutoFit/>
+          </a:bodyPr>
+          <a:lstStyle/>
+          <a:p>
+            <a:r>
+              <a:rPr lang="en-US" sz="1400" dirty="0" smtClean="0">
+                <a:solidFill>
+                  <a:schemeClr val="bg1"/>
+                </a:solidFill>
+                <a:latin typeface="Roboto" charset="0"/>
+                <a:ea typeface="Roboto" charset="0"/>
+                <a:cs typeface="Roboto" charset="0"/>
+              </a:rPr>
+              <a:t>21</a:t>
+            </a:r>
+            <a:endParaRPr lang="en-US" sz="1400" dirty="0">
+              <a:solidFill>
+                <a:schemeClr val="bg1"/>
+              </a:solidFill>
+              <a:latin typeface="Roboto" charset="0"/>
+              <a:ea typeface="Roboto" charset="0"/>
+              <a:cs typeface="Roboto" charset="0"/>
+            </a:endParaRPr>
+          </a:p>
+        </p:txBody>
+      </p:sp>
+      <p:sp>
+        <p:nvSpPr>
+          <p:cNvPr id="34" name="TextBox 33"/>
+          <p:cNvSpPr txBox="1"/>
+          <p:nvPr/>
+        </p:nvSpPr>
+        <p:spPr>
+          <a:xfrm>
+            <a:off x="4211992" y="2715326"/>
+            <a:ext cx="678802" cy="523220"/>
+          </a:xfrm>
+          <a:prstGeom prst="rect">
+            <a:avLst/>
+          </a:prstGeom>
+          <a:noFill/>
+        </p:spPr>
+        <p:txBody>
+          <a:bodyPr wrap="square" rtlCol="0">
+            <a:spAutoFit/>
+          </a:bodyPr>
+          <a:lstStyle/>
+          <a:p>
+            <a:r>
+              <a:rPr lang="en-US" sz="1400" dirty="0" smtClean="0">
+                <a:solidFill>
+                  <a:schemeClr val="bg1"/>
+                </a:solidFill>
+                <a:latin typeface="Roboto" charset="0"/>
+                <a:ea typeface="Roboto" charset="0"/>
+                <a:cs typeface="Roboto" charset="0"/>
+              </a:rPr>
+              <a:t>25</a:t>
+            </a:r>
+          </a:p>
+          <a:p>
+            <a:endParaRPr lang="en-US" sz="1400" dirty="0">
+              <a:solidFill>
+                <a:schemeClr val="bg1"/>
+              </a:solidFill>
+              <a:latin typeface="Roboto" charset="0"/>
+              <a:ea typeface="Roboto" charset="0"/>
+              <a:cs typeface="Roboto" charset="0"/>
+            </a:endParaRPr>
+          </a:p>
+        </p:txBody>
+      </p:sp>
+      <p:sp>
+        <p:nvSpPr>
+          <p:cNvPr id="35" name="TextBox 34"/>
+          <p:cNvSpPr txBox="1"/>
+          <p:nvPr/>
+        </p:nvSpPr>
+        <p:spPr>
+          <a:xfrm>
+            <a:off x="4174919" y="3301397"/>
+            <a:ext cx="678802" cy="523220"/>
+          </a:xfrm>
+          <a:prstGeom prst="rect">
+            <a:avLst/>
+          </a:prstGeom>
+          <a:noFill/>
+        </p:spPr>
+        <p:txBody>
+          <a:bodyPr wrap="square" rtlCol="0">
+            <a:spAutoFit/>
+          </a:bodyPr>
+          <a:lstStyle/>
+          <a:p>
+            <a:r>
+              <a:rPr lang="en-US" sz="1400" dirty="0" smtClean="0">
+                <a:solidFill>
+                  <a:schemeClr val="bg1"/>
+                </a:solidFill>
+                <a:latin typeface="Roboto" charset="0"/>
+                <a:ea typeface="Roboto" charset="0"/>
+                <a:cs typeface="Roboto" charset="0"/>
+              </a:rPr>
+              <a:t>26</a:t>
+            </a:r>
+          </a:p>
+          <a:p>
+            <a:endParaRPr lang="en-US" sz="1400" dirty="0">
+              <a:solidFill>
+                <a:schemeClr val="bg1"/>
+              </a:solidFill>
+              <a:latin typeface="Roboto" charset="0"/>
+              <a:ea typeface="Roboto" charset="0"/>
+              <a:cs typeface="Roboto" charset="0"/>
+            </a:endParaRPr>
+          </a:p>
+        </p:txBody>
+      </p:sp>
+      <p:sp>
+        <p:nvSpPr>
+          <p:cNvPr id="37" name="TextBox 36"/>
+          <p:cNvSpPr txBox="1"/>
+          <p:nvPr/>
+        </p:nvSpPr>
+        <p:spPr>
+          <a:xfrm>
+            <a:off x="3722333" y="3406065"/>
+            <a:ext cx="678802" cy="307777"/>
+          </a:xfrm>
+          <a:prstGeom prst="rect">
+            <a:avLst/>
+          </a:prstGeom>
+          <a:noFill/>
+        </p:spPr>
+        <p:txBody>
+          <a:bodyPr wrap="square" rtlCol="0">
+            <a:spAutoFit/>
+          </a:bodyPr>
+          <a:lstStyle/>
+          <a:p>
+            <a:r>
+              <a:rPr lang="en-US" sz="1400" dirty="0" smtClean="0">
+                <a:solidFill>
+                  <a:schemeClr val="bg1"/>
+                </a:solidFill>
+                <a:latin typeface="Roboto" charset="0"/>
+                <a:ea typeface="Roboto" charset="0"/>
+                <a:cs typeface="Roboto" charset="0"/>
+              </a:rPr>
+              <a:t>27</a:t>
+            </a:r>
+            <a:endParaRPr lang="en-US" sz="1400" dirty="0">
+              <a:solidFill>
+                <a:schemeClr val="bg1"/>
+              </a:solidFill>
+              <a:latin typeface="Roboto" charset="0"/>
+              <a:ea typeface="Roboto" charset="0"/>
+              <a:cs typeface="Roboto" charset="0"/>
+            </a:endParaRPr>
+          </a:p>
+        </p:txBody>
+      </p:sp>
+      <p:sp>
+        <p:nvSpPr>
+          <p:cNvPr id="38" name="TextBox 37"/>
+          <p:cNvSpPr txBox="1"/>
+          <p:nvPr/>
+        </p:nvSpPr>
+        <p:spPr>
+          <a:xfrm>
+            <a:off x="4235516" y="3719625"/>
+            <a:ext cx="678802" cy="307777"/>
+          </a:xfrm>
+          <a:prstGeom prst="rect">
+            <a:avLst/>
+          </a:prstGeom>
+          <a:noFill/>
+        </p:spPr>
+        <p:txBody>
+          <a:bodyPr wrap="square" rtlCol="0">
+            <a:spAutoFit/>
+          </a:bodyPr>
+          <a:lstStyle/>
+          <a:p>
+            <a:r>
+              <a:rPr lang="en-US" sz="1400" dirty="0" smtClean="0">
+                <a:solidFill>
+                  <a:schemeClr val="bg1"/>
+                </a:solidFill>
+                <a:latin typeface="Roboto" charset="0"/>
+                <a:ea typeface="Roboto" charset="0"/>
+                <a:cs typeface="Roboto" charset="0"/>
+              </a:rPr>
+              <a:t>28</a:t>
+            </a:r>
+            <a:endParaRPr lang="en-US" sz="1400" dirty="0">
+              <a:solidFill>
+                <a:schemeClr val="bg1"/>
+              </a:solidFill>
+              <a:latin typeface="Roboto" charset="0"/>
+              <a:ea typeface="Roboto" charset="0"/>
+              <a:cs typeface="Roboto" charset="0"/>
+            </a:endParaRPr>
+          </a:p>
+        </p:txBody>
+      </p:sp>
+      <p:sp>
+        <p:nvSpPr>
+          <p:cNvPr id="39" name="TextBox 38"/>
+          <p:cNvSpPr txBox="1"/>
+          <p:nvPr/>
+        </p:nvSpPr>
+        <p:spPr>
+          <a:xfrm>
+            <a:off x="3810389" y="4043856"/>
+            <a:ext cx="678802" cy="307777"/>
+          </a:xfrm>
+          <a:prstGeom prst="rect">
+            <a:avLst/>
+          </a:prstGeom>
+          <a:noFill/>
+        </p:spPr>
+        <p:txBody>
+          <a:bodyPr wrap="square" rtlCol="0">
+            <a:spAutoFit/>
+          </a:bodyPr>
+          <a:lstStyle/>
+          <a:p>
+            <a:r>
+              <a:rPr lang="en-US" sz="1400" smtClean="0">
+                <a:solidFill>
+                  <a:schemeClr val="bg1"/>
+                </a:solidFill>
+                <a:latin typeface="Roboto" charset="0"/>
+                <a:ea typeface="Roboto" charset="0"/>
+                <a:cs typeface="Roboto" charset="0"/>
+              </a:rPr>
+              <a:t>33</a:t>
+            </a:r>
+            <a:endParaRPr lang="en-US" sz="1400" dirty="0">
+              <a:solidFill>
+                <a:schemeClr val="bg1"/>
+              </a:solidFill>
+              <a:latin typeface="Roboto" charset="0"/>
+              <a:ea typeface="Roboto" charset="0"/>
+              <a:cs typeface="Roboto" charset="0"/>
+            </a:endParaRPr>
+          </a:p>
+        </p:txBody>
+      </p:sp>
+      <p:sp>
+        <p:nvSpPr>
+          <p:cNvPr id="40" name="TextBox 39"/>
+          <p:cNvSpPr txBox="1"/>
+          <p:nvPr/>
+        </p:nvSpPr>
+        <p:spPr>
+          <a:xfrm>
+            <a:off x="3147874" y="2912286"/>
+            <a:ext cx="678802" cy="307777"/>
+          </a:xfrm>
+          <a:prstGeom prst="rect">
+            <a:avLst/>
+          </a:prstGeom>
+          <a:noFill/>
+        </p:spPr>
+        <p:txBody>
+          <a:bodyPr wrap="square" rtlCol="0">
+            <a:spAutoFit/>
+          </a:bodyPr>
+          <a:lstStyle/>
+          <a:p>
+            <a:r>
+              <a:rPr lang="en-US" sz="1400" smtClean="0">
+                <a:solidFill>
+                  <a:schemeClr val="bg1"/>
+                </a:solidFill>
+                <a:latin typeface="Roboto" charset="0"/>
+                <a:ea typeface="Roboto" charset="0"/>
+                <a:cs typeface="Roboto" charset="0"/>
+              </a:rPr>
+              <a:t>15</a:t>
+            </a:r>
+            <a:endParaRPr lang="en-US" sz="1400" dirty="0">
+              <a:solidFill>
+                <a:schemeClr val="bg1"/>
+              </a:solidFill>
+              <a:latin typeface="Roboto" charset="0"/>
+              <a:ea typeface="Roboto" charset="0"/>
+              <a:cs typeface="Roboto" charset="0"/>
+            </a:endParaRPr>
+          </a:p>
+        </p:txBody>
+      </p:sp>
+      <p:sp>
+        <p:nvSpPr>
+          <p:cNvPr id="41" name="TextBox 40"/>
+          <p:cNvSpPr txBox="1"/>
+          <p:nvPr/>
+        </p:nvSpPr>
+        <p:spPr>
+          <a:xfrm>
+            <a:off x="4070724" y="1972038"/>
+            <a:ext cx="678802" cy="307777"/>
+          </a:xfrm>
+          <a:prstGeom prst="rect">
+            <a:avLst/>
+          </a:prstGeom>
+          <a:noFill/>
+        </p:spPr>
+        <p:txBody>
+          <a:bodyPr wrap="square" rtlCol="0">
+            <a:spAutoFit/>
+          </a:bodyPr>
+          <a:lstStyle/>
+          <a:p>
+            <a:r>
+              <a:rPr lang="en-US" sz="1400" dirty="0" smtClean="0">
+                <a:solidFill>
+                  <a:schemeClr val="bg1"/>
+                </a:solidFill>
+                <a:latin typeface="Roboto" charset="0"/>
+                <a:ea typeface="Roboto" charset="0"/>
+                <a:cs typeface="Roboto" charset="0"/>
+              </a:rPr>
+              <a:t>23</a:t>
+            </a:r>
+            <a:endParaRPr lang="en-US" sz="1400" dirty="0">
+              <a:solidFill>
+                <a:schemeClr val="bg1"/>
+              </a:solidFill>
+              <a:latin typeface="Roboto" charset="0"/>
+              <a:ea typeface="Roboto" charset="0"/>
+              <a:cs typeface="Roboto" charset="0"/>
+            </a:endParaRPr>
+          </a:p>
+        </p:txBody>
+      </p:sp>
+      <p:sp>
+        <p:nvSpPr>
+          <p:cNvPr id="42" name="TextBox 41"/>
+          <p:cNvSpPr txBox="1"/>
+          <p:nvPr/>
+        </p:nvSpPr>
+        <p:spPr>
+          <a:xfrm>
+            <a:off x="3467244" y="1974659"/>
+            <a:ext cx="678802" cy="307777"/>
+          </a:xfrm>
+          <a:prstGeom prst="rect">
+            <a:avLst/>
+          </a:prstGeom>
+          <a:noFill/>
+        </p:spPr>
+        <p:txBody>
+          <a:bodyPr wrap="square" rtlCol="0">
+            <a:spAutoFit/>
+          </a:bodyPr>
+          <a:lstStyle/>
+          <a:p>
+            <a:r>
+              <a:rPr lang="en-US" sz="1400" dirty="0" smtClean="0">
+                <a:solidFill>
+                  <a:schemeClr val="bg1"/>
+                </a:solidFill>
+                <a:latin typeface="Roboto" charset="0"/>
+                <a:ea typeface="Roboto" charset="0"/>
+                <a:cs typeface="Roboto" charset="0"/>
+              </a:rPr>
+              <a:t>24</a:t>
+            </a:r>
+            <a:endParaRPr lang="en-US" sz="1400" dirty="0">
+              <a:solidFill>
+                <a:schemeClr val="bg1"/>
+              </a:solidFill>
+              <a:latin typeface="Roboto" charset="0"/>
+              <a:ea typeface="Roboto" charset="0"/>
+              <a:cs typeface="Roboto" charset="0"/>
+            </a:endParaRPr>
+          </a:p>
+        </p:txBody>
+      </p:sp>
+      <p:sp>
+        <p:nvSpPr>
+          <p:cNvPr id="43" name="TextBox 42"/>
+          <p:cNvSpPr txBox="1"/>
+          <p:nvPr/>
+        </p:nvSpPr>
+        <p:spPr>
+          <a:xfrm>
+            <a:off x="4702324" y="1980265"/>
+            <a:ext cx="678802" cy="307777"/>
+          </a:xfrm>
+          <a:prstGeom prst="rect">
+            <a:avLst/>
+          </a:prstGeom>
+          <a:noFill/>
+        </p:spPr>
+        <p:txBody>
+          <a:bodyPr wrap="square" rtlCol="0">
+            <a:spAutoFit/>
+          </a:bodyPr>
+          <a:lstStyle/>
+          <a:p>
+            <a:r>
+              <a:rPr lang="en-US" sz="1400" dirty="0" smtClean="0">
+                <a:solidFill>
+                  <a:schemeClr val="bg1"/>
+                </a:solidFill>
+                <a:latin typeface="Roboto" charset="0"/>
+                <a:ea typeface="Roboto" charset="0"/>
+                <a:cs typeface="Roboto" charset="0"/>
+              </a:rPr>
+              <a:t>29</a:t>
+            </a:r>
+          </a:p>
+        </p:txBody>
+      </p:sp>
+      <p:sp>
+        <p:nvSpPr>
+          <p:cNvPr id="44" name="TextBox 43"/>
+          <p:cNvSpPr txBox="1"/>
+          <p:nvPr/>
+        </p:nvSpPr>
+        <p:spPr>
+          <a:xfrm>
+            <a:off x="4579101" y="2286824"/>
+            <a:ext cx="678802" cy="307777"/>
+          </a:xfrm>
+          <a:prstGeom prst="rect">
+            <a:avLst/>
+          </a:prstGeom>
+          <a:noFill/>
+        </p:spPr>
+        <p:txBody>
+          <a:bodyPr wrap="square" rtlCol="0">
+            <a:spAutoFit/>
+          </a:bodyPr>
+          <a:lstStyle/>
+          <a:p>
+            <a:r>
+              <a:rPr lang="en-US" sz="1400" dirty="0" smtClean="0">
+                <a:solidFill>
+                  <a:schemeClr val="bg1"/>
+                </a:solidFill>
+                <a:latin typeface="Roboto" charset="0"/>
+                <a:ea typeface="Roboto" charset="0"/>
+                <a:cs typeface="Roboto" charset="0"/>
+              </a:rPr>
+              <a:t>30</a:t>
+            </a:r>
+            <a:endParaRPr lang="en-US" sz="1400" dirty="0">
+              <a:solidFill>
+                <a:schemeClr val="bg1"/>
+              </a:solidFill>
+              <a:latin typeface="Roboto" charset="0"/>
+              <a:ea typeface="Roboto" charset="0"/>
+              <a:cs typeface="Roboto" charset="0"/>
+            </a:endParaRPr>
+          </a:p>
+        </p:txBody>
+      </p:sp>
+      <p:sp>
+        <p:nvSpPr>
+          <p:cNvPr id="45" name="TextBox 44"/>
+          <p:cNvSpPr txBox="1"/>
+          <p:nvPr/>
+        </p:nvSpPr>
+        <p:spPr>
+          <a:xfrm>
+            <a:off x="3585243" y="4646912"/>
+            <a:ext cx="678802" cy="307777"/>
+          </a:xfrm>
+          <a:prstGeom prst="rect">
+            <a:avLst/>
+          </a:prstGeom>
+          <a:noFill/>
+        </p:spPr>
+        <p:txBody>
+          <a:bodyPr wrap="square" rtlCol="0">
+            <a:spAutoFit/>
+          </a:bodyPr>
+          <a:lstStyle/>
+          <a:p>
+            <a:r>
+              <a:rPr lang="en-US" sz="1400" dirty="0" smtClean="0">
+                <a:solidFill>
+                  <a:schemeClr val="bg1"/>
+                </a:solidFill>
+                <a:latin typeface="Roboto" charset="0"/>
+                <a:ea typeface="Roboto" charset="0"/>
+                <a:cs typeface="Roboto" charset="0"/>
+              </a:rPr>
+              <a:t>31</a:t>
+            </a:r>
+          </a:p>
+        </p:txBody>
+      </p:sp>
+      <p:sp>
+        <p:nvSpPr>
+          <p:cNvPr id="48" name="TextBox 47"/>
+          <p:cNvSpPr txBox="1"/>
+          <p:nvPr/>
+        </p:nvSpPr>
+        <p:spPr>
+          <a:xfrm>
+            <a:off x="3064394" y="3631648"/>
+            <a:ext cx="678802" cy="307777"/>
+          </a:xfrm>
+          <a:prstGeom prst="rect">
+            <a:avLst/>
+          </a:prstGeom>
+          <a:noFill/>
+        </p:spPr>
+        <p:txBody>
+          <a:bodyPr wrap="square" rtlCol="0">
+            <a:spAutoFit/>
+          </a:bodyPr>
+          <a:lstStyle/>
+          <a:p>
+            <a:r>
+              <a:rPr lang="en-US" sz="1400" dirty="0" smtClean="0">
+                <a:solidFill>
+                  <a:schemeClr val="bg1"/>
+                </a:solidFill>
+                <a:latin typeface="Roboto" charset="0"/>
+                <a:ea typeface="Roboto" charset="0"/>
+                <a:cs typeface="Roboto" charset="0"/>
+              </a:rPr>
+              <a:t>32</a:t>
+            </a:r>
+            <a:endParaRPr lang="en-US" sz="1400" dirty="0">
+              <a:solidFill>
+                <a:schemeClr val="bg1"/>
+              </a:solidFill>
+              <a:latin typeface="Roboto" charset="0"/>
+              <a:ea typeface="Roboto" charset="0"/>
+              <a:cs typeface="Roboto" charset="0"/>
+            </a:endParaRPr>
+          </a:p>
+        </p:txBody>
+      </p:sp>
+      <p:sp>
+        <p:nvSpPr>
+          <p:cNvPr id="49" name="TextBox 48"/>
+          <p:cNvSpPr txBox="1"/>
+          <p:nvPr/>
+        </p:nvSpPr>
+        <p:spPr>
+          <a:xfrm>
+            <a:off x="4366465" y="4207885"/>
+            <a:ext cx="678802" cy="307777"/>
+          </a:xfrm>
+          <a:prstGeom prst="rect">
+            <a:avLst/>
+          </a:prstGeom>
+          <a:noFill/>
+        </p:spPr>
+        <p:txBody>
+          <a:bodyPr wrap="square" rtlCol="0">
+            <a:spAutoFit/>
+          </a:bodyPr>
+          <a:lstStyle/>
+          <a:p>
+            <a:r>
+              <a:rPr lang="en-US" sz="1400" smtClean="0">
+                <a:solidFill>
+                  <a:schemeClr val="bg1"/>
+                </a:solidFill>
+                <a:latin typeface="Roboto" charset="0"/>
+                <a:ea typeface="Roboto" charset="0"/>
+                <a:cs typeface="Roboto" charset="0"/>
+              </a:rPr>
+              <a:t>34</a:t>
+            </a:r>
+            <a:endParaRPr lang="en-US" sz="1400" dirty="0">
+              <a:solidFill>
+                <a:schemeClr val="bg1"/>
+              </a:solidFill>
+              <a:latin typeface="Roboto" charset="0"/>
+              <a:ea typeface="Roboto" charset="0"/>
+              <a:cs typeface="Roboto" charset="0"/>
+            </a:endParaRPr>
+          </a:p>
+        </p:txBody>
+      </p:sp>
+    </p:spTree>
+    <p:extLst>
+      <p:ext uri="{BB962C8B-B14F-4D97-AF65-F5344CB8AC3E}">
+        <p14:creationId xmlns:p14="http://schemas.microsoft.com/office/powerpoint/2010/main" val="151804433"/>
+      </p:ext>
+    </p:extLst>
+  </p:cSld>
+  <p:clrMapOvr>
+    <a:masterClrMapping/>
+  </p:clrMapOvr>
+  <p:timing>
+    <p:tnLst>
+      <p:par>
+        <p:cTn id="1" dur="indefinite" restart="never" nodeType="tmRoot"/>
+      </p:par>
+    </p:tnLst>
+  </p:timing>
+</p:sld>
+</file>
+
+<file path=ppt/slides/slide3.xml><?xml version="1.0" encoding="utf-8"?>
+<p:sld xmlns:a="http://schemas.openxmlformats.org/drawingml/2006/main" xmlns:r="http://schemas.openxmlformats.org/officeDocument/2006/relationships" xmlns:p="http://schemas.openxmlformats.org/presentationml/2006/main">
+  <p:cSld>
+    <p:spTree>
+      <p:nvGrpSpPr>
+        <p:cNvPr id="1" name=""/>
+        <p:cNvGrpSpPr/>
+        <p:nvPr/>
+      </p:nvGrpSpPr>
+      <p:grpSpPr>
+        <a:xfrm>
+          <a:off x="0" y="0"/>
+          <a:ext cx="0" cy="0"/>
+          <a:chOff x="0" y="0"/>
+          <a:chExt cx="0" cy="0"/>
+        </a:xfrm>
+      </p:grpSpPr>
       <p:pic>
         <p:nvPicPr>
           <p:cNvPr id="4" name="Picture 3"/>
@@ -5302,15 +7136,7 @@
                 <a:ea typeface="Roboto" charset="0"/>
                 <a:cs typeface="Roboto" charset="0"/>
               </a:rPr>
-              <a:t>Spectral Clustering - </a:t>
-            </a:r>
-            <a:r>
-              <a:rPr lang="en-US" dirty="0" err="1" smtClean="0">
-                <a:latin typeface="Roboto" charset="0"/>
-                <a:ea typeface="Roboto" charset="0"/>
-                <a:cs typeface="Roboto" charset="0"/>
-              </a:rPr>
-              <a:t>Scikit</a:t>
+              <a:t>Spectral Clustering </a:t>
             </a:r>
             <a:endParaRPr lang="en-US" dirty="0">
               <a:latin typeface="Roboto" charset="0"/>
@@ -5392,6 +7218,30 @@
           <a:xfrm>
             <a:off x="6204348" y="1322005"/>
             <a:ext cx="4370093" cy="4531489"/>
+          </a:xfrm>
+          <a:prstGeom prst="rect">
+            <a:avLst/>
+          </a:prstGeom>
+        </p:spPr>
+      </p:pic>
+      <p:pic>
+        <p:nvPicPr>
+          <p:cNvPr id="3" name="Picture 2"/>
+          <p:cNvPicPr>
+            <a:picLocks noChangeAspect="1"/>
+          </p:cNvPicPr>
+          <p:nvPr/>
+        </p:nvPicPr>
+        <p:blipFill>
+          <a:blip r:embed="rId5"/>
+          <a:stretch>
+            <a:fillRect/>
+          </a:stretch>
+        </p:blipFill>
+        <p:spPr>
+          <a:xfrm>
+            <a:off x="6118505" y="1178014"/>
+            <a:ext cx="4695675" cy="4796166"/>
           </a:xfrm>
           <a:prstGeom prst="rect">
             <a:avLst/>
